--- a/Final Presentation.pptx
+++ b/Final Presentation.pptx
@@ -133,6 +133,11 @@
       </a:defRPr>
     </a:lvl9pPr>
   </p:defaultTextStyle>
+  <p:extLst>
+    <p:ext uri="{EFAFB233-063F-42B5-8137-9DF3F51BA10A}">
+      <p15:sldGuideLst xmlns:p15="http://schemas.microsoft.com/office/powerpoint/2012/main"/>
+    </p:ext>
+  </p:extLst>
 </p:presentation>
 </file>
 
@@ -15792,10 +15797,10 @@
       </p:sp>
       <p:pic>
         <p:nvPicPr>
-          <p:cNvPr id="5" name="Picture 4">
+          <p:cNvPr id="4" name="Picture 3">
             <a:extLst>
               <a:ext uri="{FF2B5EF4-FFF2-40B4-BE49-F238E27FC236}">
-                <a16:creationId xmlns:a16="http://schemas.microsoft.com/office/drawing/2014/main" id="{D0B197AA-3630-41A0-194A-8593DF3ABB6D}"/>
+                <a16:creationId xmlns:a16="http://schemas.microsoft.com/office/drawing/2014/main" id="{C944E159-85E1-A8B1-5254-4BDA5C2C8961}"/>
               </a:ext>
             </a:extLst>
           </p:cNvPr>
@@ -15818,8 +15823,8 @@
         </p:blipFill>
         <p:spPr>
           <a:xfrm>
-            <a:off x="2671284" y="4766607"/>
-            <a:ext cx="6849431" cy="1038370"/>
+            <a:off x="1600781" y="4792604"/>
+            <a:ext cx="8694686" cy="1365839"/>
           </a:xfrm>
           <a:prstGeom prst="rect">
             <a:avLst/>

--- a/Final Presentation.pptx
+++ b/Final Presentation.pptx
@@ -3558,7 +3558,7 @@
                   <a:schemeClr val="bg1"/>
                 </a:solidFill>
               </a:rPr>
-              <a:t>( aka Peter Pandey)</a:t>
+              <a:t>    ( aka Peter Pandey )</a:t>
             </a:r>
           </a:p>
         </p:txBody>
@@ -3573,6 +3573,14 @@
   <p:clrMapOvr>
     <a:masterClrMapping/>
   </p:clrMapOvr>
+  <mc:AlternateContent xmlns:mc="http://schemas.openxmlformats.org/markup-compatibility/2006" xmlns:p14="http://schemas.microsoft.com/office/powerpoint/2010/main">
+    <mc:Choice Requires="p14">
+      <p:transition spd="slow" p14:dur="2000" advTm="14486"/>
+    </mc:Choice>
+    <mc:Fallback xmlns="">
+      <p:transition spd="slow" advTm="14486"/>
+    </mc:Fallback>
+  </mc:AlternateContent>
 </p:sld>
 </file>
 
@@ -3722,6 +3730,14 @@
   <p:clrMapOvr>
     <a:masterClrMapping/>
   </p:clrMapOvr>
+  <mc:AlternateContent xmlns:mc="http://schemas.openxmlformats.org/markup-compatibility/2006" xmlns:p14="http://schemas.microsoft.com/office/powerpoint/2010/main">
+    <mc:Choice Requires="p14">
+      <p:transition spd="slow" p14:dur="2000" advTm="35034"/>
+    </mc:Choice>
+    <mc:Fallback xmlns="">
+      <p:transition spd="slow" advTm="35034"/>
+    </mc:Fallback>
+  </mc:AlternateContent>
 </p:sld>
 </file>
 
@@ -3991,6 +4007,14 @@
   <p:clrMapOvr>
     <a:masterClrMapping/>
   </p:clrMapOvr>
+  <mc:AlternateContent xmlns:mc="http://schemas.openxmlformats.org/markup-compatibility/2006" xmlns:p14="http://schemas.microsoft.com/office/powerpoint/2010/main">
+    <mc:Choice Requires="p14">
+      <p:transition spd="slow" p14:dur="2000" advTm="31829"/>
+    </mc:Choice>
+    <mc:Fallback xmlns="">
+      <p:transition spd="slow" advTm="31829"/>
+    </mc:Fallback>
+  </mc:AlternateContent>
 </p:sld>
 </file>
 
@@ -4164,6 +4188,14 @@
   <p:clrMapOvr>
     <a:masterClrMapping/>
   </p:clrMapOvr>
+  <mc:AlternateContent xmlns:mc="http://schemas.openxmlformats.org/markup-compatibility/2006" xmlns:p14="http://schemas.microsoft.com/office/powerpoint/2010/main">
+    <mc:Choice Requires="p14">
+      <p:transition spd="slow" p14:dur="2000" advTm="55425"/>
+    </mc:Choice>
+    <mc:Fallback xmlns="">
+      <p:transition spd="slow" advTm="55425"/>
+    </mc:Fallback>
+  </mc:AlternateContent>
 </p:sld>
 </file>
 
@@ -4337,6 +4369,14 @@
   <p:clrMapOvr>
     <a:masterClrMapping/>
   </p:clrMapOvr>
+  <mc:AlternateContent xmlns:mc="http://schemas.openxmlformats.org/markup-compatibility/2006" xmlns:p14="http://schemas.microsoft.com/office/powerpoint/2010/main">
+    <mc:Choice Requires="p14">
+      <p:transition spd="slow" p14:dur="2000" advTm="39778"/>
+    </mc:Choice>
+    <mc:Fallback xmlns="">
+      <p:transition spd="slow" advTm="39778"/>
+    </mc:Fallback>
+  </mc:AlternateContent>
 </p:sld>
 </file>
 
@@ -4795,6 +4835,14 @@
   <p:clrMapOvr>
     <a:masterClrMapping/>
   </p:clrMapOvr>
+  <mc:AlternateContent xmlns:mc="http://schemas.openxmlformats.org/markup-compatibility/2006" xmlns:p14="http://schemas.microsoft.com/office/powerpoint/2010/main">
+    <mc:Choice Requires="p14">
+      <p:transition spd="slow" p14:dur="2000" advTm="48515"/>
+    </mc:Choice>
+    <mc:Fallback xmlns="">
+      <p:transition spd="slow" advTm="48515"/>
+    </mc:Fallback>
+  </mc:AlternateContent>
 </p:sld>
 </file>
 
@@ -5180,6 +5228,14 @@
   <p:clrMapOvr>
     <a:masterClrMapping/>
   </p:clrMapOvr>
+  <mc:AlternateContent xmlns:mc="http://schemas.openxmlformats.org/markup-compatibility/2006" xmlns:p14="http://schemas.microsoft.com/office/powerpoint/2010/main">
+    <mc:Choice Requires="p14">
+      <p:transition spd="slow" p14:dur="2000" advTm="49296"/>
+    </mc:Choice>
+    <mc:Fallback xmlns="">
+      <p:transition spd="slow" advTm="49296"/>
+    </mc:Fallback>
+  </mc:AlternateContent>
 </p:sld>
 </file>
 
@@ -5788,6 +5844,14 @@
   <p:clrMapOvr>
     <a:masterClrMapping/>
   </p:clrMapOvr>
+  <mc:AlternateContent xmlns:mc="http://schemas.openxmlformats.org/markup-compatibility/2006" xmlns:p14="http://schemas.microsoft.com/office/powerpoint/2010/main">
+    <mc:Choice Requires="p14">
+      <p:transition spd="slow" p14:dur="2000" advTm="94339"/>
+    </mc:Choice>
+    <mc:Fallback xmlns="">
+      <p:transition spd="slow" advTm="94339"/>
+    </mc:Fallback>
+  </mc:AlternateContent>
 </p:sld>
 </file>
 
@@ -6707,6 +6771,14 @@
   <p:clrMapOvr>
     <a:masterClrMapping/>
   </p:clrMapOvr>
+  <mc:AlternateContent xmlns:mc="http://schemas.openxmlformats.org/markup-compatibility/2006" xmlns:p14="http://schemas.microsoft.com/office/powerpoint/2010/main">
+    <mc:Choice Requires="p14">
+      <p:transition spd="slow" p14:dur="2000" advTm="59461"/>
+    </mc:Choice>
+    <mc:Fallback xmlns="">
+      <p:transition spd="slow" advTm="59461"/>
+    </mc:Fallback>
+  </mc:AlternateContent>
 </p:sld>
 </file>
 
@@ -7363,6 +7435,14 @@
   <p:clrMapOvr>
     <a:masterClrMapping/>
   </p:clrMapOvr>
+  <mc:AlternateContent xmlns:mc="http://schemas.openxmlformats.org/markup-compatibility/2006" xmlns:p14="http://schemas.microsoft.com/office/powerpoint/2010/main">
+    <mc:Choice Requires="p14">
+      <p:transition spd="slow" p14:dur="2000" advTm="106366"/>
+    </mc:Choice>
+    <mc:Fallback xmlns="">
+      <p:transition spd="slow" advTm="106366"/>
+    </mc:Fallback>
+  </mc:AlternateContent>
 </p:sld>
 </file>
 
@@ -7897,6 +7977,14 @@
   <p:clrMapOvr>
     <a:masterClrMapping/>
   </p:clrMapOvr>
+  <mc:AlternateContent xmlns:mc="http://schemas.openxmlformats.org/markup-compatibility/2006" xmlns:p14="http://schemas.microsoft.com/office/powerpoint/2010/main">
+    <mc:Choice Requires="p14">
+      <p:transition spd="slow" p14:dur="2000" advTm="49473"/>
+    </mc:Choice>
+    <mc:Fallback xmlns="">
+      <p:transition spd="slow" advTm="49473"/>
+    </mc:Fallback>
+  </mc:AlternateContent>
 </p:sld>
 </file>
 
@@ -8300,7 +8388,7 @@
                 <a:ea typeface="Calibri" panose="020F0502020204030204" pitchFamily="34" charset="0"/>
                 <a:cs typeface="Calibri" panose="020F0502020204030204" pitchFamily="34" charset="0"/>
               </a:rPr>
-              <a:t>Project Link</a:t>
+              <a:t>Project Links</a:t>
             </a:r>
             <a:endParaRPr lang="en-IN" sz="1800" kern="100" dirty="0">
               <a:solidFill>
@@ -8331,6 +8419,14 @@
   <p:clrMapOvr>
     <a:masterClrMapping/>
   </p:clrMapOvr>
+  <mc:AlternateContent xmlns:mc="http://schemas.openxmlformats.org/markup-compatibility/2006" xmlns:p14="http://schemas.microsoft.com/office/powerpoint/2010/main">
+    <mc:Choice Requires="p14">
+      <p:transition spd="slow" p14:dur="2000" advTm="19198"/>
+    </mc:Choice>
+    <mc:Fallback xmlns="">
+      <p:transition spd="slow" advTm="19198"/>
+    </mc:Fallback>
+  </mc:AlternateContent>
 </p:sld>
 </file>
 
@@ -8509,42 +8605,6 @@
           </a:p>
         </p:txBody>
       </p:sp>
-      <p:pic>
-        <p:nvPicPr>
-          <p:cNvPr id="5" name="Picture 4">
-            <a:extLst>
-              <a:ext uri="{FF2B5EF4-FFF2-40B4-BE49-F238E27FC236}">
-                <a16:creationId xmlns:a16="http://schemas.microsoft.com/office/drawing/2014/main" id="{F89FDE19-599E-BA78-EFCD-F525A9FA9F09}"/>
-              </a:ext>
-            </a:extLst>
-          </p:cNvPr>
-          <p:cNvPicPr>
-            <a:picLocks noChangeAspect="1"/>
-          </p:cNvPicPr>
-          <p:nvPr/>
-        </p:nvPicPr>
-        <p:blipFill>
-          <a:blip r:embed="rId3">
-            <a:extLst>
-              <a:ext uri="{28A0092B-C50C-407E-A947-70E740481C1C}">
-                <a14:useLocalDpi xmlns:a14="http://schemas.microsoft.com/office/drawing/2010/main" val="0"/>
-              </a:ext>
-            </a:extLst>
-          </a:blip>
-          <a:stretch>
-            <a:fillRect/>
-          </a:stretch>
-        </p:blipFill>
-        <p:spPr>
-          <a:xfrm>
-            <a:off x="1408922" y="1311389"/>
-            <a:ext cx="8882743" cy="5029043"/>
-          </a:xfrm>
-          <a:prstGeom prst="rect">
-            <a:avLst/>
-          </a:prstGeom>
-        </p:spPr>
-      </p:pic>
       <p:sp>
         <p:nvSpPr>
           <p:cNvPr id="6" name="TextBox 5">
@@ -9187,6 +9247,42 @@
           </a:p>
         </p:txBody>
       </p:sp>
+      <p:pic>
+        <p:nvPicPr>
+          <p:cNvPr id="8" name="Picture 7">
+            <a:extLst>
+              <a:ext uri="{FF2B5EF4-FFF2-40B4-BE49-F238E27FC236}">
+                <a16:creationId xmlns:a16="http://schemas.microsoft.com/office/drawing/2014/main" id="{D587354A-4F23-8F2C-465A-997D8FF0B206}"/>
+              </a:ext>
+            </a:extLst>
+          </p:cNvPr>
+          <p:cNvPicPr>
+            <a:picLocks noChangeAspect="1"/>
+          </p:cNvPicPr>
+          <p:nvPr/>
+        </p:nvPicPr>
+        <p:blipFill>
+          <a:blip r:embed="rId3">
+            <a:extLst>
+              <a:ext uri="{28A0092B-C50C-407E-A947-70E740481C1C}">
+                <a14:useLocalDpi xmlns:a14="http://schemas.microsoft.com/office/drawing/2010/main" val="0"/>
+              </a:ext>
+            </a:extLst>
+          </a:blip>
+          <a:stretch>
+            <a:fillRect/>
+          </a:stretch>
+        </p:blipFill>
+        <p:spPr>
+          <a:xfrm>
+            <a:off x="1680797" y="1714500"/>
+            <a:ext cx="8245686" cy="4940300"/>
+          </a:xfrm>
+          <a:prstGeom prst="rect">
+            <a:avLst/>
+          </a:prstGeom>
+        </p:spPr>
+      </p:pic>
     </p:spTree>
     <p:extLst>
       <p:ext uri="{BB962C8B-B14F-4D97-AF65-F5344CB8AC3E}">
@@ -9197,6 +9293,14 @@
   <p:clrMapOvr>
     <a:masterClrMapping/>
   </p:clrMapOvr>
+  <mc:AlternateContent xmlns:mc="http://schemas.openxmlformats.org/markup-compatibility/2006" xmlns:p14="http://schemas.microsoft.com/office/powerpoint/2010/main">
+    <mc:Choice Requires="p14">
+      <p:transition spd="slow" p14:dur="2000" advTm="68096"/>
+    </mc:Choice>
+    <mc:Fallback xmlns="">
+      <p:transition spd="slow" advTm="68096"/>
+    </mc:Fallback>
+  </mc:AlternateContent>
 </p:sld>
 </file>
 
@@ -9568,6 +9672,102 @@
           </a:prstGeom>
         </p:spPr>
       </p:pic>
+      <p:sp>
+        <p:nvSpPr>
+          <p:cNvPr id="4" name="TextBox 3">
+            <a:extLst>
+              <a:ext uri="{FF2B5EF4-FFF2-40B4-BE49-F238E27FC236}">
+                <a16:creationId xmlns:a16="http://schemas.microsoft.com/office/drawing/2014/main" id="{4B784564-E5C2-BF88-3764-937D21B087C4}"/>
+              </a:ext>
+            </a:extLst>
+          </p:cNvPr>
+          <p:cNvSpPr txBox="1"/>
+          <p:nvPr/>
+        </p:nvSpPr>
+        <p:spPr>
+          <a:xfrm>
+            <a:off x="1202266" y="5129418"/>
+            <a:ext cx="8678334" cy="671915"/>
+          </a:xfrm>
+          <a:prstGeom prst="rect">
+            <a:avLst/>
+          </a:prstGeom>
+          <a:noFill/>
+        </p:spPr>
+        <p:txBody>
+          <a:bodyPr wrap="square">
+            <a:spAutoFit/>
+          </a:bodyPr>
+          <a:lstStyle/>
+          <a:p>
+            <a:pPr marL="466725">
+              <a:lnSpc>
+                <a:spcPct val="107000"/>
+              </a:lnSpc>
+              <a:spcAft>
+                <a:spcPts val="800"/>
+              </a:spcAft>
+            </a:pPr>
+            <a:r>
+              <a:rPr lang="en-IN" sz="1800" b="1" kern="100" dirty="0">
+                <a:solidFill>
+                  <a:schemeClr val="bg1"/>
+                </a:solidFill>
+                <a:effectLst/>
+                <a:latin typeface="Calibri" panose="020F0502020204030204" pitchFamily="34" charset="0"/>
+                <a:ea typeface="Calibri" panose="020F0502020204030204" pitchFamily="34" charset="0"/>
+                <a:cs typeface="Calibri" panose="020F0502020204030204" pitchFamily="34" charset="0"/>
+              </a:rPr>
+              <a:t>Grocery and staples </a:t>
+            </a:r>
+            <a:r>
+              <a:rPr lang="en-IN" sz="1800" kern="100" dirty="0">
+                <a:solidFill>
+                  <a:schemeClr val="bg1"/>
+                </a:solidFill>
+                <a:effectLst/>
+                <a:latin typeface="Calibri" panose="020F0502020204030204" pitchFamily="34" charset="0"/>
+                <a:ea typeface="Calibri" panose="020F0502020204030204" pitchFamily="34" charset="0"/>
+                <a:cs typeface="Calibri" panose="020F0502020204030204" pitchFamily="34" charset="0"/>
+              </a:rPr>
+              <a:t>benefited the maximum with the promotional offers while </a:t>
+            </a:r>
+            <a:r>
+              <a:rPr lang="en-IN" sz="1800" b="1" kern="100" dirty="0">
+                <a:solidFill>
+                  <a:schemeClr val="bg1"/>
+                </a:solidFill>
+                <a:effectLst/>
+                <a:latin typeface="Calibri" panose="020F0502020204030204" pitchFamily="34" charset="0"/>
+                <a:ea typeface="Calibri" panose="020F0502020204030204" pitchFamily="34" charset="0"/>
+                <a:cs typeface="Calibri" panose="020F0502020204030204" pitchFamily="34" charset="0"/>
+              </a:rPr>
+              <a:t>Home care </a:t>
+            </a:r>
+            <a:r>
+              <a:rPr lang="en-IN" sz="1800" kern="100" dirty="0">
+                <a:solidFill>
+                  <a:schemeClr val="bg1"/>
+                </a:solidFill>
+                <a:effectLst/>
+                <a:latin typeface="Calibri" panose="020F0502020204030204" pitchFamily="34" charset="0"/>
+                <a:ea typeface="Calibri" panose="020F0502020204030204" pitchFamily="34" charset="0"/>
+                <a:cs typeface="Calibri" panose="020F0502020204030204" pitchFamily="34" charset="0"/>
+              </a:rPr>
+              <a:t>experiencing the least impact.</a:t>
+            </a:r>
+            <a:endParaRPr lang="en-IN" sz="1800" kern="100" dirty="0">
+              <a:solidFill>
+                <a:schemeClr val="bg1"/>
+              </a:solidFill>
+              <a:effectLst/>
+              <a:latin typeface="Calibri" panose="020F0502020204030204" pitchFamily="34" charset="0"/>
+              <a:ea typeface="Calibri" panose="020F0502020204030204" pitchFamily="34" charset="0"/>
+              <a:cs typeface="Times New Roman" panose="02020603050405020304" pitchFamily="18" charset="0"/>
+            </a:endParaRPr>
+          </a:p>
+        </p:txBody>
+      </p:sp>
     </p:spTree>
     <p:extLst>
       <p:ext uri="{BB962C8B-B14F-4D97-AF65-F5344CB8AC3E}">
@@ -9578,6 +9778,14 @@
   <p:clrMapOvr>
     <a:masterClrMapping/>
   </p:clrMapOvr>
+  <mc:AlternateContent xmlns:mc="http://schemas.openxmlformats.org/markup-compatibility/2006" xmlns:p14="http://schemas.microsoft.com/office/powerpoint/2010/main">
+    <mc:Choice Requires="p14">
+      <p:transition spd="slow" p14:dur="2000" advTm="42295"/>
+    </mc:Choice>
+    <mc:Fallback xmlns="">
+      <p:transition spd="slow" advTm="42295"/>
+    </mc:Fallback>
+  </mc:AlternateContent>
 </p:sld>
 </file>
 
@@ -9895,6 +10103,14 @@
   <p:clrMapOvr>
     <a:masterClrMapping/>
   </p:clrMapOvr>
+  <mc:AlternateContent xmlns:mc="http://schemas.openxmlformats.org/markup-compatibility/2006" xmlns:p14="http://schemas.microsoft.com/office/powerpoint/2010/main">
+    <mc:Choice Requires="p14">
+      <p:transition spd="slow" p14:dur="2000" advTm="24659"/>
+    </mc:Choice>
+    <mc:Fallback xmlns="">
+      <p:transition spd="slow" advTm="24659"/>
+    </mc:Fallback>
+  </mc:AlternateContent>
 </p:sld>
 </file>
 
@@ -10116,6 +10332,14 @@
   <p:clrMapOvr>
     <a:masterClrMapping/>
   </p:clrMapOvr>
+  <mc:AlternateContent xmlns:mc="http://schemas.openxmlformats.org/markup-compatibility/2006" xmlns:p14="http://schemas.microsoft.com/office/powerpoint/2010/main">
+    <mc:Choice Requires="p14">
+      <p:transition spd="slow" p14:dur="2000" advTm="15978"/>
+    </mc:Choice>
+    <mc:Fallback xmlns="">
+      <p:transition spd="slow" advTm="15978"/>
+    </mc:Fallback>
+  </mc:AlternateContent>
 </p:sld>
 </file>
 
@@ -10349,6 +10573,14 @@
   <p:clrMapOvr>
     <a:masterClrMapping/>
   </p:clrMapOvr>
+  <mc:AlternateContent xmlns:mc="http://schemas.openxmlformats.org/markup-compatibility/2006" xmlns:p14="http://schemas.microsoft.com/office/powerpoint/2010/main">
+    <mc:Choice Requires="p14">
+      <p:transition spd="slow" p14:dur="2000" advTm="16421"/>
+    </mc:Choice>
+    <mc:Fallback xmlns="">
+      <p:transition spd="slow" advTm="16421"/>
+    </mc:Fallback>
+  </mc:AlternateContent>
 </p:sld>
 </file>
 
@@ -10546,6 +10778,14 @@
   <p:clrMapOvr>
     <a:masterClrMapping/>
   </p:clrMapOvr>
+  <mc:AlternateContent xmlns:mc="http://schemas.openxmlformats.org/markup-compatibility/2006" xmlns:p14="http://schemas.microsoft.com/office/powerpoint/2010/main">
+    <mc:Choice Requires="p14">
+      <p:transition spd="slow" p14:dur="2000" advTm="45709"/>
+    </mc:Choice>
+    <mc:Fallback xmlns="">
+      <p:transition spd="slow" advTm="45709"/>
+    </mc:Fallback>
+  </mc:AlternateContent>
 </p:sld>
 </file>
 
@@ -10883,6 +11123,14 @@
   <p:clrMapOvr>
     <a:masterClrMapping/>
   </p:clrMapOvr>
+  <mc:AlternateContent xmlns:mc="http://schemas.openxmlformats.org/markup-compatibility/2006" xmlns:p14="http://schemas.microsoft.com/office/powerpoint/2010/main">
+    <mc:Choice Requires="p14">
+      <p:transition spd="slow" p14:dur="2000" advTm="146009"/>
+    </mc:Choice>
+    <mc:Fallback xmlns="">
+      <p:transition spd="slow" advTm="146009"/>
+    </mc:Fallback>
+  </mc:AlternateContent>
 </p:sld>
 </file>
 
@@ -11105,6 +11353,14 @@
   <p:clrMapOvr>
     <a:masterClrMapping/>
   </p:clrMapOvr>
+  <mc:AlternateContent xmlns:mc="http://schemas.openxmlformats.org/markup-compatibility/2006" xmlns:p14="http://schemas.microsoft.com/office/powerpoint/2010/main">
+    <mc:Choice Requires="p14">
+      <p:transition spd="slow" p14:dur="2000" advTm="34891"/>
+    </mc:Choice>
+    <mc:Fallback xmlns="">
+      <p:transition spd="slow" advTm="34891"/>
+    </mc:Fallback>
+  </mc:AlternateContent>
 </p:sld>
 </file>
 
@@ -11754,6 +12010,14 @@
   <p:clrMapOvr>
     <a:masterClrMapping/>
   </p:clrMapOvr>
+  <mc:AlternateContent xmlns:mc="http://schemas.openxmlformats.org/markup-compatibility/2006" xmlns:p14="http://schemas.microsoft.com/office/powerpoint/2010/main">
+    <mc:Choice Requires="p14">
+      <p:transition spd="slow" p14:dur="2000" advTm="140349"/>
+    </mc:Choice>
+    <mc:Fallback xmlns="">
+      <p:transition spd="slow" advTm="140349"/>
+    </mc:Fallback>
+  </mc:AlternateContent>
 </p:sld>
 </file>
 
@@ -12177,6 +12441,14 @@
   <p:clrMapOvr>
     <a:masterClrMapping/>
   </p:clrMapOvr>
+  <mc:AlternateContent xmlns:mc="http://schemas.openxmlformats.org/markup-compatibility/2006" xmlns:p14="http://schemas.microsoft.com/office/powerpoint/2010/main">
+    <mc:Choice Requires="p14">
+      <p:transition spd="slow" p14:dur="2000" advTm="33668"/>
+    </mc:Choice>
+    <mc:Fallback xmlns="">
+      <p:transition spd="slow" advTm="33668"/>
+    </mc:Fallback>
+  </mc:AlternateContent>
 </p:sld>
 </file>
 
@@ -12436,7 +12708,7 @@
                 <a:ea typeface="Calibri" panose="020F0502020204030204" pitchFamily="34" charset="0"/>
                 <a:cs typeface="Times New Roman" panose="02020603050405020304" pitchFamily="18" charset="0"/>
               </a:rPr>
-              <a:t>Analyse promotions and provide tangible insights to sales director in order to make more informed decisions over the next promotional period</a:t>
+              <a:t>Analyse promotions and provide tangible insights in order to make more informed decisions over the next promotional period</a:t>
             </a:r>
             <a:endParaRPr lang="en-IN" dirty="0"/>
           </a:p>
@@ -12452,6 +12724,14 @@
   <p:clrMapOvr>
     <a:masterClrMapping/>
   </p:clrMapOvr>
+  <mc:AlternateContent xmlns:mc="http://schemas.openxmlformats.org/markup-compatibility/2006" xmlns:p14="http://schemas.microsoft.com/office/powerpoint/2010/main">
+    <mc:Choice Requires="p14">
+      <p:transition spd="slow" p14:dur="2000" advTm="47498"/>
+    </mc:Choice>
+    <mc:Fallback xmlns="">
+      <p:transition spd="slow" advTm="47498"/>
+    </mc:Fallback>
+  </mc:AlternateContent>
 </p:sld>
 </file>
 
@@ -12541,6 +12821,14 @@
   <p:clrMapOvr>
     <a:masterClrMapping/>
   </p:clrMapOvr>
+  <mc:AlternateContent xmlns:mc="http://schemas.openxmlformats.org/markup-compatibility/2006" xmlns:p14="http://schemas.microsoft.com/office/powerpoint/2010/main">
+    <mc:Choice Requires="p14">
+      <p:transition spd="slow" p14:dur="2000" advTm="24672"/>
+    </mc:Choice>
+    <mc:Fallback xmlns="">
+      <p:transition spd="slow" advTm="24672"/>
+    </mc:Fallback>
+  </mc:AlternateContent>
 </p:sld>
 </file>
 
@@ -12912,6 +13200,14 @@
   <p:clrMapOvr>
     <a:masterClrMapping/>
   </p:clrMapOvr>
+  <mc:AlternateContent xmlns:mc="http://schemas.openxmlformats.org/markup-compatibility/2006" xmlns:p14="http://schemas.microsoft.com/office/powerpoint/2010/main">
+    <mc:Choice Requires="p14">
+      <p:transition spd="slow" p14:dur="2000" advTm="36826"/>
+    </mc:Choice>
+    <mc:Fallback xmlns="">
+      <p:transition spd="slow" advTm="36826"/>
+    </mc:Fallback>
+  </mc:AlternateContent>
 </p:sld>
 </file>
 
@@ -13280,6 +13576,14 @@
   <p:clrMapOvr>
     <a:masterClrMapping/>
   </p:clrMapOvr>
+  <mc:AlternateContent xmlns:mc="http://schemas.openxmlformats.org/markup-compatibility/2006" xmlns:p14="http://schemas.microsoft.com/office/powerpoint/2010/main">
+    <mc:Choice Requires="p14">
+      <p:transition spd="slow" p14:dur="2000" advTm="103884"/>
+    </mc:Choice>
+    <mc:Fallback xmlns="">
+      <p:transition spd="slow" advTm="103884"/>
+    </mc:Fallback>
+  </mc:AlternateContent>
 </p:sld>
 </file>
 
@@ -13860,6 +14164,14 @@
   <p:clrMapOvr>
     <a:masterClrMapping/>
   </p:clrMapOvr>
+  <mc:AlternateContent xmlns:mc="http://schemas.openxmlformats.org/markup-compatibility/2006" xmlns:p14="http://schemas.microsoft.com/office/powerpoint/2010/main">
+    <mc:Choice Requires="p14">
+      <p:transition spd="slow" p14:dur="2000" advTm="93743"/>
+    </mc:Choice>
+    <mc:Fallback xmlns="">
+      <p:transition spd="slow" advTm="93743"/>
+    </mc:Fallback>
+  </mc:AlternateContent>
 </p:sld>
 </file>
 
@@ -14700,6 +15012,14 @@
   <p:clrMapOvr>
     <a:masterClrMapping/>
   </p:clrMapOvr>
+  <mc:AlternateContent xmlns:mc="http://schemas.openxmlformats.org/markup-compatibility/2006" xmlns:p14="http://schemas.microsoft.com/office/powerpoint/2010/main">
+    <mc:Choice Requires="p14">
+      <p:transition spd="slow" p14:dur="2000" advTm="78599"/>
+    </mc:Choice>
+    <mc:Fallback xmlns="">
+      <p:transition spd="slow" advTm="78599"/>
+    </mc:Fallback>
+  </mc:AlternateContent>
 </p:sld>
 </file>
 
@@ -15577,6 +15897,14 @@
   <p:clrMapOvr>
     <a:masterClrMapping/>
   </p:clrMapOvr>
+  <mc:AlternateContent xmlns:mc="http://schemas.openxmlformats.org/markup-compatibility/2006" xmlns:p14="http://schemas.microsoft.com/office/powerpoint/2010/main">
+    <mc:Choice Requires="p14">
+      <p:transition spd="slow" p14:dur="2000" advTm="81279"/>
+    </mc:Choice>
+    <mc:Fallback xmlns="">
+      <p:transition spd="slow" advTm="81279"/>
+    </mc:Fallback>
+  </mc:AlternateContent>
 </p:sld>
 </file>
 
@@ -15841,6 +16169,14 @@
   <p:clrMapOvr>
     <a:masterClrMapping/>
   </p:clrMapOvr>
+  <mc:AlternateContent xmlns:mc="http://schemas.openxmlformats.org/markup-compatibility/2006" xmlns:p14="http://schemas.microsoft.com/office/powerpoint/2010/main">
+    <mc:Choice Requires="p14">
+      <p:transition spd="slow" p14:dur="2000" advTm="45841"/>
+    </mc:Choice>
+    <mc:Fallback xmlns="">
+      <p:transition spd="slow" advTm="45841"/>
+    </mc:Fallback>
+  </mc:AlternateContent>
 </p:sld>
 </file>
 
